--- a/NLP_7 PCA_userDic.pptx
+++ b/NLP_7 PCA_userDic.pptx
@@ -259,7 +259,7 @@
           <a:p>
             <a:fld id="{2ABC02D7-CBD1-4D33-B166-78A898DF0F76}" type="datetimeFigureOut">
               <a:rPr kumimoji="1" lang="ja-JP" altLang="en-US" smtClean="0"/>
-              <a:t>2024/4/14</a:t>
+              <a:t>2024/4/17</a:t>
             </a:fld>
             <a:endParaRPr kumimoji="1" lang="ja-JP" altLang="en-US"/>
           </a:p>
@@ -461,7 +461,7 @@
           <a:p>
             <a:fld id="{2ABC02D7-CBD1-4D33-B166-78A898DF0F76}" type="datetimeFigureOut">
               <a:rPr kumimoji="1" lang="ja-JP" altLang="en-US" smtClean="0"/>
-              <a:t>2024/4/14</a:t>
+              <a:t>2024/4/17</a:t>
             </a:fld>
             <a:endParaRPr kumimoji="1" lang="ja-JP" altLang="en-US"/>
           </a:p>
@@ -673,7 +673,7 @@
           <a:p>
             <a:fld id="{2ABC02D7-CBD1-4D33-B166-78A898DF0F76}" type="datetimeFigureOut">
               <a:rPr kumimoji="1" lang="ja-JP" altLang="en-US" smtClean="0"/>
-              <a:t>2024/4/14</a:t>
+              <a:t>2024/4/17</a:t>
             </a:fld>
             <a:endParaRPr kumimoji="1" lang="ja-JP" altLang="en-US"/>
           </a:p>
@@ -875,7 +875,7 @@
           <a:p>
             <a:fld id="{2ABC02D7-CBD1-4D33-B166-78A898DF0F76}" type="datetimeFigureOut">
               <a:rPr kumimoji="1" lang="ja-JP" altLang="en-US" smtClean="0"/>
-              <a:t>2024/4/14</a:t>
+              <a:t>2024/4/17</a:t>
             </a:fld>
             <a:endParaRPr kumimoji="1" lang="ja-JP" altLang="en-US"/>
           </a:p>
@@ -1121,7 +1121,7 @@
           <a:p>
             <a:fld id="{2ABC02D7-CBD1-4D33-B166-78A898DF0F76}" type="datetimeFigureOut">
               <a:rPr kumimoji="1" lang="ja-JP" altLang="en-US" smtClean="0"/>
-              <a:t>2024/4/14</a:t>
+              <a:t>2024/4/17</a:t>
             </a:fld>
             <a:endParaRPr kumimoji="1" lang="ja-JP" altLang="en-US"/>
           </a:p>
@@ -1417,7 +1417,7 @@
           <a:p>
             <a:fld id="{2ABC02D7-CBD1-4D33-B166-78A898DF0F76}" type="datetimeFigureOut">
               <a:rPr kumimoji="1" lang="ja-JP" altLang="en-US" smtClean="0"/>
-              <a:t>2024/4/14</a:t>
+              <a:t>2024/4/17</a:t>
             </a:fld>
             <a:endParaRPr kumimoji="1" lang="ja-JP" altLang="en-US"/>
           </a:p>
@@ -1848,7 +1848,7 @@
           <a:p>
             <a:fld id="{2ABC02D7-CBD1-4D33-B166-78A898DF0F76}" type="datetimeFigureOut">
               <a:rPr kumimoji="1" lang="ja-JP" altLang="en-US" smtClean="0"/>
-              <a:t>2024/4/14</a:t>
+              <a:t>2024/4/17</a:t>
             </a:fld>
             <a:endParaRPr kumimoji="1" lang="ja-JP" altLang="en-US"/>
           </a:p>
@@ -1966,7 +1966,7 @@
           <a:p>
             <a:fld id="{2ABC02D7-CBD1-4D33-B166-78A898DF0F76}" type="datetimeFigureOut">
               <a:rPr kumimoji="1" lang="ja-JP" altLang="en-US" smtClean="0"/>
-              <a:t>2024/4/14</a:t>
+              <a:t>2024/4/17</a:t>
             </a:fld>
             <a:endParaRPr kumimoji="1" lang="ja-JP" altLang="en-US"/>
           </a:p>
@@ -2061,7 +2061,7 @@
           <a:p>
             <a:fld id="{2ABC02D7-CBD1-4D33-B166-78A898DF0F76}" type="datetimeFigureOut">
               <a:rPr kumimoji="1" lang="ja-JP" altLang="en-US" smtClean="0"/>
-              <a:t>2024/4/14</a:t>
+              <a:t>2024/4/17</a:t>
             </a:fld>
             <a:endParaRPr kumimoji="1" lang="ja-JP" altLang="en-US"/>
           </a:p>
@@ -2370,7 +2370,7 @@
           <a:p>
             <a:fld id="{2ABC02D7-CBD1-4D33-B166-78A898DF0F76}" type="datetimeFigureOut">
               <a:rPr kumimoji="1" lang="ja-JP" altLang="en-US" smtClean="0"/>
-              <a:t>2024/4/14</a:t>
+              <a:t>2024/4/17</a:t>
             </a:fld>
             <a:endParaRPr kumimoji="1" lang="ja-JP" altLang="en-US"/>
           </a:p>
@@ -2627,7 +2627,7 @@
           <a:p>
             <a:fld id="{2ABC02D7-CBD1-4D33-B166-78A898DF0F76}" type="datetimeFigureOut">
               <a:rPr kumimoji="1" lang="ja-JP" altLang="en-US" smtClean="0"/>
-              <a:t>2024/4/14</a:t>
+              <a:t>2024/4/17</a:t>
             </a:fld>
             <a:endParaRPr kumimoji="1" lang="ja-JP" altLang="en-US"/>
           </a:p>
@@ -2872,7 +2872,7 @@
           <a:p>
             <a:fld id="{2ABC02D7-CBD1-4D33-B166-78A898DF0F76}" type="datetimeFigureOut">
               <a:rPr kumimoji="1" lang="ja-JP" altLang="en-US" smtClean="0"/>
-              <a:t>2024/4/14</a:t>
+              <a:t>2024/4/17</a:t>
             </a:fld>
             <a:endParaRPr kumimoji="1" lang="ja-JP" altLang="en-US"/>
           </a:p>
@@ -6232,6 +6232,80 @@
           </a:p>
         </p:txBody>
       </p:sp>
+      <p:sp>
+        <p:nvSpPr>
+          <p:cNvPr id="3" name="テキスト ボックス 2">
+            <a:extLst>
+              <a:ext uri="{FF2B5EF4-FFF2-40B4-BE49-F238E27FC236}">
+                <a16:creationId xmlns:a16="http://schemas.microsoft.com/office/drawing/2014/main" id="{D6B6DD6B-0844-9FF5-887A-74F2BE3F816A}"/>
+              </a:ext>
+            </a:extLst>
+          </p:cNvPr>
+          <p:cNvSpPr txBox="1"/>
+          <p:nvPr/>
+        </p:nvSpPr>
+        <p:spPr>
+          <a:xfrm>
+            <a:off x="923731" y="5640279"/>
+            <a:ext cx="10750032" cy="646331"/>
+          </a:xfrm>
+          <a:prstGeom prst="rect">
+            <a:avLst/>
+          </a:prstGeom>
+          <a:noFill/>
+        </p:spPr>
+        <p:txBody>
+          <a:bodyPr wrap="square" rtlCol="0">
+            <a:spAutoFit/>
+          </a:bodyPr>
+          <a:lstStyle/>
+          <a:p>
+            <a:pPr algn="l"/>
+            <a:r>
+              <a:rPr kumimoji="1" lang="en-US" altLang="ja-JP" dirty="0" err="1">
+                <a:latin typeface="メイリオ" panose="020B0604030504040204" pitchFamily="50" charset="-128"/>
+                <a:ea typeface="メイリオ" panose="020B0604030504040204" pitchFamily="50" charset="-128"/>
+              </a:rPr>
+              <a:t>Github</a:t>
+            </a:r>
+            <a:r>
+              <a:rPr kumimoji="1" lang="ja-JP" altLang="en-US" dirty="0">
+                <a:latin typeface="メイリオ" panose="020B0604030504040204" pitchFamily="50" charset="-128"/>
+                <a:ea typeface="メイリオ" panose="020B0604030504040204" pitchFamily="50" charset="-128"/>
+              </a:rPr>
+              <a:t>は</a:t>
+            </a:r>
+            <a:r>
+              <a:rPr kumimoji="1" lang="en-US" altLang="ja-JP" dirty="0">
+                <a:latin typeface="メイリオ" panose="020B0604030504040204" pitchFamily="50" charset="-128"/>
+                <a:ea typeface="メイリオ" panose="020B0604030504040204" pitchFamily="50" charset="-128"/>
+              </a:rPr>
+              <a:t>API key</a:t>
+            </a:r>
+            <a:r>
+              <a:rPr kumimoji="1" lang="ja-JP" altLang="en-US" dirty="0">
+                <a:latin typeface="メイリオ" panose="020B0604030504040204" pitchFamily="50" charset="-128"/>
+                <a:ea typeface="メイリオ" panose="020B0604030504040204" pitchFamily="50" charset="-128"/>
+              </a:rPr>
+              <a:t>を自動的にプロテクトするので、プログラム本体はアップロードしていない（</a:t>
+            </a:r>
+            <a:r>
+              <a:rPr kumimoji="1" lang="en-US" altLang="ja-JP" dirty="0">
+                <a:latin typeface="メイリオ" panose="020B0604030504040204" pitchFamily="50" charset="-128"/>
+                <a:ea typeface="メイリオ" panose="020B0604030504040204" pitchFamily="50" charset="-128"/>
+              </a:rPr>
+              <a:t> NLP_8 PCA_userDic2</a:t>
+            </a:r>
+            <a:r>
+              <a:rPr kumimoji="1" lang="ja-JP" altLang="en-US" dirty="0">
+                <a:latin typeface="メイリオ" panose="020B0604030504040204" pitchFamily="50" charset="-128"/>
+                <a:ea typeface="メイリオ" panose="020B0604030504040204" pitchFamily="50" charset="-128"/>
+              </a:rPr>
+              <a:t>においた）</a:t>
+            </a:r>
+          </a:p>
+        </p:txBody>
+      </p:sp>
     </p:spTree>
     <p:extLst>
       <p:ext uri="{BB962C8B-B14F-4D97-AF65-F5344CB8AC3E}">
